--- a/gishealth.pptx
+++ b/gishealth.pptx
@@ -108,6 +108,11 @@
       </a:defRPr>
     </a:lvl9pPr>
   </p:defaultTextStyle>
+  <p:extLst>
+    <p:ext uri="{EFAFB233-063F-42B5-8137-9DF3F51BA10A}">
+      <p15:sldGuideLst xmlns:p15="http://schemas.microsoft.com/office/powerpoint/2012/main"/>
+    </p:ext>
+  </p:extLst>
 </p:presentation>
 </file>
 
@@ -7770,6 +7775,63 @@
           </a:p>
         </p:txBody>
       </p:sp>
+      <p:sp>
+        <p:nvSpPr>
+          <p:cNvPr id="4" name="Rectangle 3"/>
+          <p:cNvSpPr/>
+          <p:nvPr/>
+        </p:nvSpPr>
+        <p:spPr>
+          <a:xfrm>
+            <a:off x="3066757" y="5512158"/>
+            <a:ext cx="6625883" cy="850005"/>
+          </a:xfrm>
+          <a:prstGeom prst="rect">
+            <a:avLst/>
+          </a:prstGeom>
+        </p:spPr>
+        <p:style>
+          <a:lnRef idx="2">
+            <a:schemeClr val="accent1">
+              <a:shade val="50000"/>
+            </a:schemeClr>
+          </a:lnRef>
+          <a:fillRef idx="1">
+            <a:schemeClr val="accent1"/>
+          </a:fillRef>
+          <a:effectRef idx="0">
+            <a:schemeClr val="accent1"/>
+          </a:effectRef>
+          <a:fontRef idx="minor">
+            <a:schemeClr val="lt1"/>
+          </a:fontRef>
+        </p:style>
+        <p:txBody>
+          <a:bodyPr rtlCol="0" anchor="ctr"/>
+          <a:lstStyle/>
+          <a:p>
+            <a:pPr algn="ctr"/>
+            <a:r>
+              <a:rPr lang="en-GB" sz="4000" dirty="0">
+                <a:latin typeface="Cordia New" panose="020B0304020202020204" pitchFamily="34" charset="-34"/>
+                <a:cs typeface="Cordia New" panose="020B0304020202020204" pitchFamily="34" charset="-34"/>
+              </a:rPr>
+              <a:t>http://</a:t>
+            </a:r>
+            <a:r>
+              <a:rPr lang="en-GB" sz="4000" dirty="0" smtClean="0">
+                <a:latin typeface="Cordia New" panose="020B0304020202020204" pitchFamily="34" charset="-34"/>
+                <a:cs typeface="Cordia New" panose="020B0304020202020204" pitchFamily="34" charset="-34"/>
+              </a:rPr>
+              <a:t>gishealth.moph.go.th</a:t>
+            </a:r>
+            <a:endParaRPr lang="en-GB" sz="4000" dirty="0">
+              <a:latin typeface="Cordia New" panose="020B0304020202020204" pitchFamily="34" charset="-34"/>
+              <a:cs typeface="Cordia New" panose="020B0304020202020204" pitchFamily="34" charset="-34"/>
+            </a:endParaRPr>
+          </a:p>
+        </p:txBody>
+      </p:sp>
     </p:spTree>
     <p:extLst>
       <p:ext uri="{BB962C8B-B14F-4D97-AF65-F5344CB8AC3E}">
@@ -7839,14 +7901,14 @@
           <p:nvPr>
             <p:extLst>
               <p:ext uri="{D42A27DB-BD31-4B8C-83A1-F6EECF244321}">
-                <p14:modId xmlns:p14="http://schemas.microsoft.com/office/powerpoint/2010/main" val="17265184"/>
+                <p14:modId xmlns:p14="http://schemas.microsoft.com/office/powerpoint/2010/main" val="3008779602"/>
               </p:ext>
             </p:extLst>
           </p:nvPr>
         </p:nvGraphicFramePr>
         <p:xfrm>
           <a:off x="2439963" y="2098300"/>
-          <a:ext cx="8127999" cy="1854200"/>
+          <a:ext cx="7854219" cy="1854200"/>
         </p:xfrm>
         <a:graphic>
           <a:graphicData uri="http://schemas.openxmlformats.org/drawingml/2006/table">
@@ -7855,21 +7917,21 @@
                 <a:tableStyleId>{5C22544A-7EE6-4342-B048-85BDC9FD1C3A}</a:tableStyleId>
               </a:tblPr>
               <a:tblGrid>
-                <a:gridCol w="2709333">
+                <a:gridCol w="2618073">
                   <a:extLst>
                     <a:ext uri="{9D8B030D-6E8A-4147-A177-3AD203B41FA5}">
                       <a16:colId xmlns:a16="http://schemas.microsoft.com/office/drawing/2014/main" val="1157876958"/>
                     </a:ext>
                   </a:extLst>
                 </a:gridCol>
-                <a:gridCol w="2709333">
+                <a:gridCol w="2618073">
                   <a:extLst>
                     <a:ext uri="{9D8B030D-6E8A-4147-A177-3AD203B41FA5}">
                       <a16:colId xmlns:a16="http://schemas.microsoft.com/office/drawing/2014/main" val="4195145967"/>
                     </a:ext>
                   </a:extLst>
                 </a:gridCol>
-                <a:gridCol w="2709333">
+                <a:gridCol w="2618073">
                   <a:extLst>
                     <a:ext uri="{9D8B030D-6E8A-4147-A177-3AD203B41FA5}">
                       <a16:colId xmlns:a16="http://schemas.microsoft.com/office/drawing/2014/main" val="463856077"/>
@@ -8162,14 +8224,14 @@
           <p:nvPr>
             <p:extLst>
               <p:ext uri="{D42A27DB-BD31-4B8C-83A1-F6EECF244321}">
-                <p14:modId xmlns:p14="http://schemas.microsoft.com/office/powerpoint/2010/main" val="3972073881"/>
+                <p14:modId xmlns:p14="http://schemas.microsoft.com/office/powerpoint/2010/main" val="2556244622"/>
               </p:ext>
             </p:extLst>
           </p:nvPr>
         </p:nvGraphicFramePr>
         <p:xfrm>
           <a:off x="2439963" y="3952500"/>
-          <a:ext cx="8127999" cy="2595880"/>
+          <a:ext cx="7854219" cy="2595880"/>
         </p:xfrm>
         <a:graphic>
           <a:graphicData uri="http://schemas.openxmlformats.org/drawingml/2006/table">
@@ -8178,21 +8240,21 @@
                 <a:tableStyleId>{5C22544A-7EE6-4342-B048-85BDC9FD1C3A}</a:tableStyleId>
               </a:tblPr>
               <a:tblGrid>
-                <a:gridCol w="2709333">
+                <a:gridCol w="2618073">
                   <a:extLst>
                     <a:ext uri="{9D8B030D-6E8A-4147-A177-3AD203B41FA5}">
                       <a16:colId xmlns:a16="http://schemas.microsoft.com/office/drawing/2014/main" val="2655102549"/>
                     </a:ext>
                   </a:extLst>
                 </a:gridCol>
-                <a:gridCol w="2709333">
+                <a:gridCol w="2618073">
                   <a:extLst>
                     <a:ext uri="{9D8B030D-6E8A-4147-A177-3AD203B41FA5}">
                       <a16:colId xmlns:a16="http://schemas.microsoft.com/office/drawing/2014/main" val="974246906"/>
                     </a:ext>
                   </a:extLst>
                 </a:gridCol>
-                <a:gridCol w="2709333">
+                <a:gridCol w="2618073">
                   <a:extLst>
                     <a:ext uri="{9D8B030D-6E8A-4147-A177-3AD203B41FA5}">
                       <a16:colId xmlns:a16="http://schemas.microsoft.com/office/drawing/2014/main" val="433212143"/>
@@ -9450,13 +9512,13 @@
             <p:ph idx="1"/>
             <p:extLst>
               <p:ext uri="{D42A27DB-BD31-4B8C-83A1-F6EECF244321}">
-                <p14:modId xmlns:p14="http://schemas.microsoft.com/office/powerpoint/2010/main" val="2364845635"/>
+                <p14:modId xmlns:p14="http://schemas.microsoft.com/office/powerpoint/2010/main" val="973743131"/>
               </p:ext>
             </p:extLst>
           </p:nvPr>
         </p:nvGraphicFramePr>
         <p:xfrm>
-          <a:off x="3066757" y="2336800"/>
+          <a:off x="3066757" y="2452711"/>
           <a:ext cx="6625883" cy="1280160"/>
         </p:xfrm>
         <a:graphic>
@@ -9522,6 +9584,63 @@
           </a:graphicData>
         </a:graphic>
       </p:graphicFrame>
+      <p:sp>
+        <p:nvSpPr>
+          <p:cNvPr id="5" name="Rectangle 4"/>
+          <p:cNvSpPr/>
+          <p:nvPr/>
+        </p:nvSpPr>
+        <p:spPr>
+          <a:xfrm>
+            <a:off x="3066757" y="4119594"/>
+            <a:ext cx="6625883" cy="850005"/>
+          </a:xfrm>
+          <a:prstGeom prst="rect">
+            <a:avLst/>
+          </a:prstGeom>
+        </p:spPr>
+        <p:style>
+          <a:lnRef idx="2">
+            <a:schemeClr val="accent1">
+              <a:shade val="50000"/>
+            </a:schemeClr>
+          </a:lnRef>
+          <a:fillRef idx="1">
+            <a:schemeClr val="accent1"/>
+          </a:fillRef>
+          <a:effectRef idx="0">
+            <a:schemeClr val="accent1"/>
+          </a:effectRef>
+          <a:fontRef idx="minor">
+            <a:schemeClr val="lt1"/>
+          </a:fontRef>
+        </p:style>
+        <p:txBody>
+          <a:bodyPr rtlCol="0" anchor="ctr"/>
+          <a:lstStyle/>
+          <a:p>
+            <a:pPr algn="ctr"/>
+            <a:r>
+              <a:rPr lang="en-GB" sz="4000" dirty="0">
+                <a:latin typeface="Cordia New" panose="020B0304020202020204" pitchFamily="34" charset="-34"/>
+                <a:cs typeface="Cordia New" panose="020B0304020202020204" pitchFamily="34" charset="-34"/>
+              </a:rPr>
+              <a:t>http://</a:t>
+            </a:r>
+            <a:r>
+              <a:rPr lang="en-GB" sz="4000" dirty="0" smtClean="0">
+                <a:latin typeface="Cordia New" panose="020B0304020202020204" pitchFamily="34" charset="-34"/>
+                <a:cs typeface="Cordia New" panose="020B0304020202020204" pitchFamily="34" charset="-34"/>
+              </a:rPr>
+              <a:t>gishealth.moph.go.th</a:t>
+            </a:r>
+            <a:endParaRPr lang="en-GB" sz="4000" dirty="0">
+              <a:latin typeface="Cordia New" panose="020B0304020202020204" pitchFamily="34" charset="-34"/>
+              <a:cs typeface="Cordia New" panose="020B0304020202020204" pitchFamily="34" charset="-34"/>
+            </a:endParaRPr>
+          </a:p>
+        </p:txBody>
+      </p:sp>
     </p:spTree>
     <p:extLst>
       <p:ext uri="{BB962C8B-B14F-4D97-AF65-F5344CB8AC3E}">

--- a/gishealth.pptx
+++ b/gishealth.pptx
@@ -6,10 +6,6 @@
   </p:sldMasterIdLst>
   <p:sldIdLst>
     <p:sldId id="256" r:id="rId2"/>
-    <p:sldId id="257" r:id="rId3"/>
-    <p:sldId id="258" r:id="rId4"/>
-    <p:sldId id="259" r:id="rId5"/>
-    <p:sldId id="260" r:id="rId6"/>
   </p:sldIdLst>
   <p:sldSz cx="12192000" cy="6858000"/>
   <p:notesSz cx="6858000" cy="9144000"/>
@@ -7762,73 +7758,74 @@
             <p:ph type="ctrTitle"/>
           </p:nvPr>
         </p:nvSpPr>
-        <p:spPr/>
-        <p:txBody>
-          <a:bodyPr/>
+        <p:spPr>
+          <a:xfrm>
+            <a:off x="510988" y="2733709"/>
+            <a:ext cx="8417859" cy="1373070"/>
+          </a:xfrm>
+        </p:spPr>
+        <p:txBody>
+          <a:bodyPr anchor="ctr"/>
           <a:lstStyle/>
           <a:p>
             <a:r>
-              <a:rPr lang="th-TH" dirty="0" smtClean="0"/>
-              <a:t>ทรัพยากรสาธารณสุขจังหวัดชุมพร</a:t>
-            </a:r>
-            <a:endParaRPr lang="en-GB" dirty="0"/>
-          </a:p>
-        </p:txBody>
-      </p:sp>
-      <p:sp>
-        <p:nvSpPr>
-          <p:cNvPr id="4" name="Rectangle 3"/>
-          <p:cNvSpPr/>
+              <a:rPr lang="en-US" sz="3600" dirty="0"/>
+              <a:t>Provincial Public Health of </a:t>
+            </a:r>
+            <a:r>
+              <a:rPr lang="en-US" sz="3600" dirty="0" err="1"/>
+              <a:t>Chumphon</a:t>
+            </a:r>
+            <a:endParaRPr lang="en-GB" sz="3600" dirty="0"/>
+          </a:p>
+        </p:txBody>
+      </p:sp>
+      <p:sp>
+        <p:nvSpPr>
+          <p:cNvPr id="5" name="Title 1"/>
+          <p:cNvSpPr txBox="1">
+            <a:spLocks/>
+          </p:cNvSpPr>
           <p:nvPr/>
         </p:nvSpPr>
         <p:spPr>
           <a:xfrm>
-            <a:off x="3066757" y="5512158"/>
-            <a:ext cx="6625883" cy="850005"/>
+            <a:off x="9165515" y="2733709"/>
+            <a:ext cx="2099534" cy="1373070"/>
           </a:xfrm>
           <a:prstGeom prst="rect">
             <a:avLst/>
           </a:prstGeom>
         </p:spPr>
-        <p:style>
-          <a:lnRef idx="2">
-            <a:schemeClr val="accent1">
-              <a:shade val="50000"/>
-            </a:schemeClr>
-          </a:lnRef>
-          <a:fillRef idx="1">
-            <a:schemeClr val="accent1"/>
-          </a:fillRef>
-          <a:effectRef idx="0">
-            <a:schemeClr val="accent1"/>
-          </a:effectRef>
-          <a:fontRef idx="minor">
-            <a:schemeClr val="lt1"/>
-          </a:fontRef>
-        </p:style>
-        <p:txBody>
-          <a:bodyPr rtlCol="0" anchor="ctr"/>
-          <a:lstStyle/>
-          <a:p>
-            <a:pPr algn="ctr"/>
-            <a:r>
-              <a:rPr lang="en-GB" sz="4000" dirty="0">
-                <a:latin typeface="Cordia New" panose="020B0304020202020204" pitchFamily="34" charset="-34"/>
-                <a:cs typeface="Cordia New" panose="020B0304020202020204" pitchFamily="34" charset="-34"/>
-              </a:rPr>
-              <a:t>http://</a:t>
-            </a:r>
-            <a:r>
-              <a:rPr lang="en-GB" sz="4000" dirty="0" smtClean="0">
-                <a:latin typeface="Cordia New" panose="020B0304020202020204" pitchFamily="34" charset="-34"/>
-                <a:cs typeface="Cordia New" panose="020B0304020202020204" pitchFamily="34" charset="-34"/>
-              </a:rPr>
-              <a:t>gishealth.moph.go.th</a:t>
-            </a:r>
-            <a:endParaRPr lang="en-GB" sz="4000" dirty="0">
-              <a:latin typeface="Cordia New" panose="020B0304020202020204" pitchFamily="34" charset="-34"/>
-              <a:cs typeface="Cordia New" panose="020B0304020202020204" pitchFamily="34" charset="-34"/>
-            </a:endParaRPr>
+        <p:txBody>
+          <a:bodyPr vert="horz" lIns="91440" tIns="45720" rIns="91440" bIns="45720" rtlCol="0" anchor="ctr">
+            <a:noAutofit/>
+          </a:bodyPr>
+          <a:lstStyle>
+            <a:lvl1pPr algn="r" defTabSz="914400" rtl="0" eaLnBrk="1" latinLnBrk="0" hangingPunct="1">
+              <a:lnSpc>
+                <a:spcPct val="90000"/>
+              </a:lnSpc>
+              <a:spcBef>
+                <a:spcPct val="0"/>
+              </a:spcBef>
+              <a:buNone/>
+              <a:defRPr sz="5400" kern="1200">
+                <a:solidFill>
+                  <a:schemeClr val="tx1"/>
+                </a:solidFill>
+                <a:latin typeface="+mj-lt"/>
+                <a:ea typeface="+mj-ea"/>
+                <a:cs typeface="+mj-cs"/>
+              </a:defRPr>
+            </a:lvl1pPr>
+          </a:lstStyle>
+          <a:p>
+            <a:r>
+              <a:rPr lang="en-US" sz="3600" dirty="0" smtClean="0"/>
+              <a:t>Resource</a:t>
+            </a:r>
+            <a:endParaRPr lang="en-GB" sz="3600" dirty="0"/>
           </a:p>
         </p:txBody>
       </p:sp>
@@ -7836,1815 +7833,6 @@
     <p:extLst>
       <p:ext uri="{BB962C8B-B14F-4D97-AF65-F5344CB8AC3E}">
         <p14:creationId xmlns:p14="http://schemas.microsoft.com/office/powerpoint/2010/main" val="3515248476"/>
-      </p:ext>
-    </p:extLst>
-  </p:cSld>
-  <p:clrMapOvr>
-    <a:masterClrMapping/>
-  </p:clrMapOvr>
-  <p:timing>
-    <p:tnLst>
-      <p:par>
-        <p:cTn id="1" dur="indefinite" restart="never" nodeType="tmRoot"/>
-      </p:par>
-    </p:tnLst>
-  </p:timing>
-</p:sld>
-</file>
-
-<file path=ppt/slides/slide2.xml><?xml version="1.0" encoding="utf-8"?>
-<p:sld xmlns:a="http://schemas.openxmlformats.org/drawingml/2006/main" xmlns:r="http://schemas.openxmlformats.org/officeDocument/2006/relationships" xmlns:p="http://schemas.openxmlformats.org/presentationml/2006/main">
-  <p:cSld>
-    <p:spTree>
-      <p:nvGrpSpPr>
-        <p:cNvPr id="1" name=""/>
-        <p:cNvGrpSpPr/>
-        <p:nvPr/>
-      </p:nvGrpSpPr>
-      <p:grpSpPr>
-        <a:xfrm>
-          <a:off x="0" y="0"/>
-          <a:ext cx="0" cy="0"/>
-          <a:chOff x="0" y="0"/>
-          <a:chExt cx="0" cy="0"/>
-        </a:xfrm>
-      </p:grpSpPr>
-      <p:sp>
-        <p:nvSpPr>
-          <p:cNvPr id="2" name="Title 1"/>
-          <p:cNvSpPr>
-            <a:spLocks noGrp="1"/>
-          </p:cNvSpPr>
-          <p:nvPr>
-            <p:ph type="title"/>
-          </p:nvPr>
-        </p:nvSpPr>
-        <p:spPr/>
-        <p:txBody>
-          <a:bodyPr/>
-          <a:lstStyle/>
-          <a:p>
-            <a:r>
-              <a:rPr lang="th-TH" dirty="0" smtClean="0"/>
-              <a:t>โรงพยาบาลชุมพรเขตรอุดมศักดิ์ ( รพท. )</a:t>
-            </a:r>
-            <a:endParaRPr lang="en-GB" dirty="0"/>
-          </a:p>
-        </p:txBody>
-      </p:sp>
-      <p:graphicFrame>
-        <p:nvGraphicFramePr>
-          <p:cNvPr id="5" name="Table 4"/>
-          <p:cNvGraphicFramePr>
-            <a:graphicFrameLocks noGrp="1"/>
-          </p:cNvGraphicFramePr>
-          <p:nvPr>
-            <p:extLst>
-              <p:ext uri="{D42A27DB-BD31-4B8C-83A1-F6EECF244321}">
-                <p14:modId xmlns:p14="http://schemas.microsoft.com/office/powerpoint/2010/main" val="3008779602"/>
-              </p:ext>
-            </p:extLst>
-          </p:nvPr>
-        </p:nvGraphicFramePr>
-        <p:xfrm>
-          <a:off x="2439963" y="2098300"/>
-          <a:ext cx="7854219" cy="1854200"/>
-        </p:xfrm>
-        <a:graphic>
-          <a:graphicData uri="http://schemas.openxmlformats.org/drawingml/2006/table">
-            <a:tbl>
-              <a:tblPr firstRow="1" bandRow="1">
-                <a:tableStyleId>{5C22544A-7EE6-4342-B048-85BDC9FD1C3A}</a:tableStyleId>
-              </a:tblPr>
-              <a:tblGrid>
-                <a:gridCol w="2618073">
-                  <a:extLst>
-                    <a:ext uri="{9D8B030D-6E8A-4147-A177-3AD203B41FA5}">
-                      <a16:colId xmlns:a16="http://schemas.microsoft.com/office/drawing/2014/main" val="1157876958"/>
-                    </a:ext>
-                  </a:extLst>
-                </a:gridCol>
-                <a:gridCol w="2618073">
-                  <a:extLst>
-                    <a:ext uri="{9D8B030D-6E8A-4147-A177-3AD203B41FA5}">
-                      <a16:colId xmlns:a16="http://schemas.microsoft.com/office/drawing/2014/main" val="4195145967"/>
-                    </a:ext>
-                  </a:extLst>
-                </a:gridCol>
-                <a:gridCol w="2618073">
-                  <a:extLst>
-                    <a:ext uri="{9D8B030D-6E8A-4147-A177-3AD203B41FA5}">
-                      <a16:colId xmlns:a16="http://schemas.microsoft.com/office/drawing/2014/main" val="463856077"/>
-                    </a:ext>
-                  </a:extLst>
-                </a:gridCol>
-              </a:tblGrid>
-              <a:tr h="370840">
-                <a:tc>
-                  <a:txBody>
-                    <a:bodyPr/>
-                    <a:lstStyle/>
-                    <a:p>
-                      <a:pPr algn="ctr"/>
-                      <a:r>
-                        <a:rPr lang="th-TH" dirty="0" smtClean="0"/>
-                        <a:t>รายการสถานบริการ</a:t>
-                      </a:r>
-                      <a:endParaRPr lang="en-GB" dirty="0"/>
-                    </a:p>
-                  </a:txBody>
-                  <a:tcPr anchor="ctr"/>
-                </a:tc>
-                <a:tc>
-                  <a:txBody>
-                    <a:bodyPr/>
-                    <a:lstStyle/>
-                    <a:p>
-                      <a:pPr algn="ctr"/>
-                      <a:r>
-                        <a:rPr lang="th-TH" dirty="0" smtClean="0"/>
-                        <a:t>จำนวน</a:t>
-                      </a:r>
-                      <a:endParaRPr lang="en-GB" dirty="0"/>
-                    </a:p>
-                  </a:txBody>
-                  <a:tcPr anchor="ctr"/>
-                </a:tc>
-                <a:tc>
-                  <a:txBody>
-                    <a:bodyPr/>
-                    <a:lstStyle/>
-                    <a:p>
-                      <a:pPr algn="ctr"/>
-                      <a:r>
-                        <a:rPr lang="th-TH" dirty="0" smtClean="0"/>
-                        <a:t>หน่วยนับ</a:t>
-                      </a:r>
-                      <a:endParaRPr lang="en-GB" dirty="0"/>
-                    </a:p>
-                  </a:txBody>
-                  <a:tcPr anchor="ctr"/>
-                </a:tc>
-                <a:extLst>
-                  <a:ext uri="{0D108BD9-81ED-4DB2-BD59-A6C34878D82A}">
-                    <a16:rowId xmlns:a16="http://schemas.microsoft.com/office/drawing/2014/main" val="1520439797"/>
-                  </a:ext>
-                </a:extLst>
-              </a:tr>
-              <a:tr h="370840">
-                <a:tc>
-                  <a:txBody>
-                    <a:bodyPr/>
-                    <a:lstStyle/>
-                    <a:p>
-                      <a:r>
-                        <a:rPr lang="th-TH" dirty="0" smtClean="0"/>
-                        <a:t>จำนวนเตียงผู้ป่วย</a:t>
-                      </a:r>
-                      <a:endParaRPr lang="en-GB" dirty="0"/>
-                    </a:p>
-                  </a:txBody>
-                  <a:tcPr/>
-                </a:tc>
-                <a:tc>
-                  <a:txBody>
-                    <a:bodyPr/>
-                    <a:lstStyle/>
-                    <a:p>
-                      <a:pPr algn="ctr"/>
-                      <a:r>
-                        <a:rPr lang="th-TH" dirty="0" smtClean="0"/>
-                        <a:t>509</a:t>
-                      </a:r>
-                      <a:endParaRPr lang="en-GB" dirty="0"/>
-                    </a:p>
-                  </a:txBody>
-                  <a:tcPr/>
-                </a:tc>
-                <a:tc>
-                  <a:txBody>
-                    <a:bodyPr/>
-                    <a:lstStyle/>
-                    <a:p>
-                      <a:pPr algn="ctr"/>
-                      <a:r>
-                        <a:rPr lang="th-TH" dirty="0" smtClean="0"/>
-                        <a:t>เตียง</a:t>
-                      </a:r>
-                      <a:endParaRPr lang="en-GB" dirty="0"/>
-                    </a:p>
-                  </a:txBody>
-                  <a:tcPr/>
-                </a:tc>
-                <a:extLst>
-                  <a:ext uri="{0D108BD9-81ED-4DB2-BD59-A6C34878D82A}">
-                    <a16:rowId xmlns:a16="http://schemas.microsoft.com/office/drawing/2014/main" val="1350042359"/>
-                  </a:ext>
-                </a:extLst>
-              </a:tr>
-              <a:tr h="370840">
-                <a:tc>
-                  <a:txBody>
-                    <a:bodyPr/>
-                    <a:lstStyle/>
-                    <a:p>
-                      <a:r>
-                        <a:rPr lang="en-US" dirty="0" smtClean="0"/>
-                        <a:t>I.C.U </a:t>
-                      </a:r>
-                      <a:r>
-                        <a:rPr lang="th-TH" dirty="0" smtClean="0"/>
-                        <a:t>ศัลยกรรม</a:t>
-                      </a:r>
-                      <a:endParaRPr lang="en-GB" dirty="0"/>
-                    </a:p>
-                  </a:txBody>
-                  <a:tcPr/>
-                </a:tc>
-                <a:tc>
-                  <a:txBody>
-                    <a:bodyPr/>
-                    <a:lstStyle/>
-                    <a:p>
-                      <a:pPr algn="ctr"/>
-                      <a:r>
-                        <a:rPr lang="th-TH" dirty="0" smtClean="0"/>
-                        <a:t>10</a:t>
-                      </a:r>
-                      <a:endParaRPr lang="en-GB" dirty="0"/>
-                    </a:p>
-                  </a:txBody>
-                  <a:tcPr/>
-                </a:tc>
-                <a:tc>
-                  <a:txBody>
-                    <a:bodyPr/>
-                    <a:lstStyle/>
-                    <a:p>
-                      <a:pPr algn="ctr"/>
-                      <a:r>
-                        <a:rPr lang="th-TH" dirty="0" smtClean="0"/>
-                        <a:t>เตียง</a:t>
-                      </a:r>
-                      <a:endParaRPr lang="en-GB" dirty="0"/>
-                    </a:p>
-                  </a:txBody>
-                  <a:tcPr/>
-                </a:tc>
-                <a:extLst>
-                  <a:ext uri="{0D108BD9-81ED-4DB2-BD59-A6C34878D82A}">
-                    <a16:rowId xmlns:a16="http://schemas.microsoft.com/office/drawing/2014/main" val="576331464"/>
-                  </a:ext>
-                </a:extLst>
-              </a:tr>
-              <a:tr h="370840">
-                <a:tc>
-                  <a:txBody>
-                    <a:bodyPr/>
-                    <a:lstStyle/>
-                    <a:p>
-                      <a:r>
-                        <a:rPr lang="en-US" dirty="0" smtClean="0"/>
-                        <a:t>I.C.U </a:t>
-                      </a:r>
-                      <a:r>
-                        <a:rPr lang="th-TH" dirty="0" smtClean="0"/>
-                        <a:t>อายุรกรรม</a:t>
-                      </a:r>
-                      <a:endParaRPr lang="en-GB" dirty="0"/>
-                    </a:p>
-                  </a:txBody>
-                  <a:tcPr/>
-                </a:tc>
-                <a:tc>
-                  <a:txBody>
-                    <a:bodyPr/>
-                    <a:lstStyle/>
-                    <a:p>
-                      <a:pPr algn="ctr"/>
-                      <a:r>
-                        <a:rPr lang="th-TH" dirty="0" smtClean="0"/>
-                        <a:t>9</a:t>
-                      </a:r>
-                      <a:endParaRPr lang="en-GB" dirty="0"/>
-                    </a:p>
-                  </a:txBody>
-                  <a:tcPr/>
-                </a:tc>
-                <a:tc>
-                  <a:txBody>
-                    <a:bodyPr/>
-                    <a:lstStyle/>
-                    <a:p>
-                      <a:pPr algn="ctr"/>
-                      <a:r>
-                        <a:rPr lang="th-TH" dirty="0" smtClean="0"/>
-                        <a:t>เตียง</a:t>
-                      </a:r>
-                      <a:endParaRPr lang="en-GB" dirty="0"/>
-                    </a:p>
-                  </a:txBody>
-                  <a:tcPr/>
-                </a:tc>
-                <a:extLst>
-                  <a:ext uri="{0D108BD9-81ED-4DB2-BD59-A6C34878D82A}">
-                    <a16:rowId xmlns:a16="http://schemas.microsoft.com/office/drawing/2014/main" val="3182953058"/>
-                  </a:ext>
-                </a:extLst>
-              </a:tr>
-              <a:tr h="370840">
-                <a:tc>
-                  <a:txBody>
-                    <a:bodyPr/>
-                    <a:lstStyle/>
-                    <a:p>
-                      <a:r>
-                        <a:rPr lang="en-US" dirty="0" smtClean="0"/>
-                        <a:t>I.C.U</a:t>
-                      </a:r>
-                      <a:r>
-                        <a:rPr lang="en-US" baseline="0" dirty="0" smtClean="0"/>
-                        <a:t> </a:t>
-                      </a:r>
-                      <a:r>
-                        <a:rPr lang="th-TH" baseline="0" dirty="0" smtClean="0"/>
-                        <a:t>รวม ( ไม่แยกประเภท )</a:t>
-                      </a:r>
-                      <a:endParaRPr lang="en-GB" dirty="0"/>
-                    </a:p>
-                  </a:txBody>
-                  <a:tcPr/>
-                </a:tc>
-                <a:tc>
-                  <a:txBody>
-                    <a:bodyPr/>
-                    <a:lstStyle/>
-                    <a:p>
-                      <a:pPr algn="ctr"/>
-                      <a:r>
-                        <a:rPr lang="th-TH" dirty="0" smtClean="0"/>
-                        <a:t>8</a:t>
-                      </a:r>
-                      <a:endParaRPr lang="en-GB" dirty="0"/>
-                    </a:p>
-                  </a:txBody>
-                  <a:tcPr/>
-                </a:tc>
-                <a:tc>
-                  <a:txBody>
-                    <a:bodyPr/>
-                    <a:lstStyle/>
-                    <a:p>
-                      <a:pPr algn="ctr"/>
-                      <a:r>
-                        <a:rPr lang="th-TH" dirty="0" smtClean="0"/>
-                        <a:t>เตียง</a:t>
-                      </a:r>
-                      <a:endParaRPr lang="en-GB" dirty="0"/>
-                    </a:p>
-                  </a:txBody>
-                  <a:tcPr/>
-                </a:tc>
-                <a:extLst>
-                  <a:ext uri="{0D108BD9-81ED-4DB2-BD59-A6C34878D82A}">
-                    <a16:rowId xmlns:a16="http://schemas.microsoft.com/office/drawing/2014/main" val="1374658532"/>
-                  </a:ext>
-                </a:extLst>
-              </a:tr>
-            </a:tbl>
-          </a:graphicData>
-        </a:graphic>
-      </p:graphicFrame>
-      <p:graphicFrame>
-        <p:nvGraphicFramePr>
-          <p:cNvPr id="6" name="Table 5"/>
-          <p:cNvGraphicFramePr>
-            <a:graphicFrameLocks noGrp="1"/>
-          </p:cNvGraphicFramePr>
-          <p:nvPr>
-            <p:extLst>
-              <p:ext uri="{D42A27DB-BD31-4B8C-83A1-F6EECF244321}">
-                <p14:modId xmlns:p14="http://schemas.microsoft.com/office/powerpoint/2010/main" val="2556244622"/>
-              </p:ext>
-            </p:extLst>
-          </p:nvPr>
-        </p:nvGraphicFramePr>
-        <p:xfrm>
-          <a:off x="2439963" y="3952500"/>
-          <a:ext cx="7854219" cy="2595880"/>
-        </p:xfrm>
-        <a:graphic>
-          <a:graphicData uri="http://schemas.openxmlformats.org/drawingml/2006/table">
-            <a:tbl>
-              <a:tblPr firstRow="1" bandRow="1">
-                <a:tableStyleId>{5C22544A-7EE6-4342-B048-85BDC9FD1C3A}</a:tableStyleId>
-              </a:tblPr>
-              <a:tblGrid>
-                <a:gridCol w="2618073">
-                  <a:extLst>
-                    <a:ext uri="{9D8B030D-6E8A-4147-A177-3AD203B41FA5}">
-                      <a16:colId xmlns:a16="http://schemas.microsoft.com/office/drawing/2014/main" val="2655102549"/>
-                    </a:ext>
-                  </a:extLst>
-                </a:gridCol>
-                <a:gridCol w="2618073">
-                  <a:extLst>
-                    <a:ext uri="{9D8B030D-6E8A-4147-A177-3AD203B41FA5}">
-                      <a16:colId xmlns:a16="http://schemas.microsoft.com/office/drawing/2014/main" val="974246906"/>
-                    </a:ext>
-                  </a:extLst>
-                </a:gridCol>
-                <a:gridCol w="2618073">
-                  <a:extLst>
-                    <a:ext uri="{9D8B030D-6E8A-4147-A177-3AD203B41FA5}">
-                      <a16:colId xmlns:a16="http://schemas.microsoft.com/office/drawing/2014/main" val="433212143"/>
-                    </a:ext>
-                  </a:extLst>
-                </a:gridCol>
-              </a:tblGrid>
-              <a:tr h="370840">
-                <a:tc>
-                  <a:txBody>
-                    <a:bodyPr/>
-                    <a:lstStyle/>
-                    <a:p>
-                      <a:pPr algn="ctr"/>
-                      <a:r>
-                        <a:rPr lang="th-TH" dirty="0" smtClean="0"/>
-                        <a:t>แพทย์เฉพาะทาง</a:t>
-                      </a:r>
-                      <a:endParaRPr lang="en-GB" dirty="0"/>
-                    </a:p>
-                  </a:txBody>
-                  <a:tcPr anchor="ctr"/>
-                </a:tc>
-                <a:tc>
-                  <a:txBody>
-                    <a:bodyPr/>
-                    <a:lstStyle/>
-                    <a:p>
-                      <a:pPr algn="ctr"/>
-                      <a:r>
-                        <a:rPr lang="th-TH" dirty="0" smtClean="0"/>
-                        <a:t>จำนวน</a:t>
-                      </a:r>
-                      <a:endParaRPr lang="en-GB" dirty="0"/>
-                    </a:p>
-                  </a:txBody>
-                  <a:tcPr anchor="ctr"/>
-                </a:tc>
-                <a:tc>
-                  <a:txBody>
-                    <a:bodyPr/>
-                    <a:lstStyle/>
-                    <a:p>
-                      <a:pPr algn="ctr"/>
-                      <a:r>
-                        <a:rPr lang="th-TH" dirty="0" smtClean="0"/>
-                        <a:t>คน</a:t>
-                      </a:r>
-                      <a:endParaRPr lang="en-GB" dirty="0"/>
-                    </a:p>
-                  </a:txBody>
-                  <a:tcPr anchor="ctr"/>
-                </a:tc>
-                <a:extLst>
-                  <a:ext uri="{0D108BD9-81ED-4DB2-BD59-A6C34878D82A}">
-                    <a16:rowId xmlns:a16="http://schemas.microsoft.com/office/drawing/2014/main" val="4058345903"/>
-                  </a:ext>
-                </a:extLst>
-              </a:tr>
-              <a:tr h="370840">
-                <a:tc>
-                  <a:txBody>
-                    <a:bodyPr/>
-                    <a:lstStyle/>
-                    <a:p>
-                      <a:r>
-                        <a:rPr lang="th-TH" dirty="0" smtClean="0"/>
-                        <a:t>อายุรศาสตร์</a:t>
-                      </a:r>
-                      <a:endParaRPr lang="en-GB" dirty="0"/>
-                    </a:p>
-                  </a:txBody>
-                  <a:tcPr/>
-                </a:tc>
-                <a:tc>
-                  <a:txBody>
-                    <a:bodyPr/>
-                    <a:lstStyle/>
-                    <a:p>
-                      <a:pPr algn="ctr"/>
-                      <a:r>
-                        <a:rPr lang="th-TH" dirty="0" smtClean="0"/>
-                        <a:t>9</a:t>
-                      </a:r>
-                      <a:endParaRPr lang="en-GB" dirty="0"/>
-                    </a:p>
-                  </a:txBody>
-                  <a:tcPr/>
-                </a:tc>
-                <a:tc>
-                  <a:txBody>
-                    <a:bodyPr/>
-                    <a:lstStyle/>
-                    <a:p>
-                      <a:pPr algn="ctr"/>
-                      <a:r>
-                        <a:rPr lang="th-TH" dirty="0" smtClean="0"/>
-                        <a:t>คน</a:t>
-                      </a:r>
-                      <a:endParaRPr lang="en-GB" dirty="0"/>
-                    </a:p>
-                  </a:txBody>
-                  <a:tcPr/>
-                </a:tc>
-                <a:extLst>
-                  <a:ext uri="{0D108BD9-81ED-4DB2-BD59-A6C34878D82A}">
-                    <a16:rowId xmlns:a16="http://schemas.microsoft.com/office/drawing/2014/main" val="2649112794"/>
-                  </a:ext>
-                </a:extLst>
-              </a:tr>
-              <a:tr h="370840">
-                <a:tc>
-                  <a:txBody>
-                    <a:bodyPr/>
-                    <a:lstStyle/>
-                    <a:p>
-                      <a:r>
-                        <a:rPr lang="th-TH" dirty="0" smtClean="0"/>
-                        <a:t>ศัลยแพทย์,</a:t>
-                      </a:r>
-                      <a:r>
-                        <a:rPr lang="th-TH" baseline="0" dirty="0" smtClean="0"/>
-                        <a:t> สูติ-นรีแพทย์</a:t>
-                      </a:r>
-                      <a:endParaRPr lang="en-GB" dirty="0"/>
-                    </a:p>
-                  </a:txBody>
-                  <a:tcPr/>
-                </a:tc>
-                <a:tc>
-                  <a:txBody>
-                    <a:bodyPr/>
-                    <a:lstStyle/>
-                    <a:p>
-                      <a:pPr algn="ctr"/>
-                      <a:r>
-                        <a:rPr lang="th-TH" dirty="0" smtClean="0"/>
-                        <a:t>21</a:t>
-                      </a:r>
-                      <a:endParaRPr lang="en-GB" dirty="0"/>
-                    </a:p>
-                  </a:txBody>
-                  <a:tcPr/>
-                </a:tc>
-                <a:tc>
-                  <a:txBody>
-                    <a:bodyPr/>
-                    <a:lstStyle/>
-                    <a:p>
-                      <a:pPr algn="ctr"/>
-                      <a:r>
-                        <a:rPr lang="th-TH" dirty="0" smtClean="0"/>
-                        <a:t>คน</a:t>
-                      </a:r>
-                      <a:endParaRPr lang="en-GB" dirty="0"/>
-                    </a:p>
-                  </a:txBody>
-                  <a:tcPr/>
-                </a:tc>
-                <a:extLst>
-                  <a:ext uri="{0D108BD9-81ED-4DB2-BD59-A6C34878D82A}">
-                    <a16:rowId xmlns:a16="http://schemas.microsoft.com/office/drawing/2014/main" val="2796259228"/>
-                  </a:ext>
-                </a:extLst>
-              </a:tr>
-              <a:tr h="370840">
-                <a:tc>
-                  <a:txBody>
-                    <a:bodyPr/>
-                    <a:lstStyle/>
-                    <a:p>
-                      <a:r>
-                        <a:rPr lang="th-TH" dirty="0" smtClean="0"/>
-                        <a:t>กุมารแพทย์, จักษุโสตศอนาสิก</a:t>
-                      </a:r>
-                      <a:endParaRPr lang="en-GB" dirty="0"/>
-                    </a:p>
-                  </a:txBody>
-                  <a:tcPr/>
-                </a:tc>
-                <a:tc>
-                  <a:txBody>
-                    <a:bodyPr/>
-                    <a:lstStyle/>
-                    <a:p>
-                      <a:pPr algn="ctr"/>
-                      <a:r>
-                        <a:rPr lang="th-TH" dirty="0" smtClean="0"/>
-                        <a:t>13</a:t>
-                      </a:r>
-                      <a:endParaRPr lang="en-GB" dirty="0"/>
-                    </a:p>
-                  </a:txBody>
-                  <a:tcPr/>
-                </a:tc>
-                <a:tc>
-                  <a:txBody>
-                    <a:bodyPr/>
-                    <a:lstStyle/>
-                    <a:p>
-                      <a:pPr algn="ctr"/>
-                      <a:r>
-                        <a:rPr lang="th-TH" dirty="0" smtClean="0"/>
-                        <a:t>คน</a:t>
-                      </a:r>
-                      <a:endParaRPr lang="en-GB" dirty="0"/>
-                    </a:p>
-                  </a:txBody>
-                  <a:tcPr/>
-                </a:tc>
-                <a:extLst>
-                  <a:ext uri="{0D108BD9-81ED-4DB2-BD59-A6C34878D82A}">
-                    <a16:rowId xmlns:a16="http://schemas.microsoft.com/office/drawing/2014/main" val="3160279278"/>
-                  </a:ext>
-                </a:extLst>
-              </a:tr>
-              <a:tr h="370840">
-                <a:tc>
-                  <a:txBody>
-                    <a:bodyPr/>
-                    <a:lstStyle/>
-                    <a:p>
-                      <a:r>
-                        <a:rPr lang="th-TH" dirty="0" smtClean="0"/>
-                        <a:t>พยาธิแพทย์,</a:t>
-                      </a:r>
-                      <a:r>
-                        <a:rPr lang="th-TH" baseline="0" dirty="0" smtClean="0"/>
-                        <a:t> รังสีแพทย์</a:t>
-                      </a:r>
-                      <a:endParaRPr lang="en-GB" dirty="0"/>
-                    </a:p>
-                  </a:txBody>
-                  <a:tcPr/>
-                </a:tc>
-                <a:tc>
-                  <a:txBody>
-                    <a:bodyPr/>
-                    <a:lstStyle/>
-                    <a:p>
-                      <a:pPr algn="ctr"/>
-                      <a:r>
-                        <a:rPr lang="th-TH" dirty="0" smtClean="0"/>
-                        <a:t>3</a:t>
-                      </a:r>
-                      <a:endParaRPr lang="en-GB" dirty="0"/>
-                    </a:p>
-                  </a:txBody>
-                  <a:tcPr/>
-                </a:tc>
-                <a:tc>
-                  <a:txBody>
-                    <a:bodyPr/>
-                    <a:lstStyle/>
-                    <a:p>
-                      <a:pPr algn="ctr"/>
-                      <a:r>
-                        <a:rPr lang="th-TH" dirty="0" smtClean="0"/>
-                        <a:t>คน</a:t>
-                      </a:r>
-                      <a:endParaRPr lang="en-GB" dirty="0"/>
-                    </a:p>
-                  </a:txBody>
-                  <a:tcPr/>
-                </a:tc>
-                <a:extLst>
-                  <a:ext uri="{0D108BD9-81ED-4DB2-BD59-A6C34878D82A}">
-                    <a16:rowId xmlns:a16="http://schemas.microsoft.com/office/drawing/2014/main" val="3586581914"/>
-                  </a:ext>
-                </a:extLst>
-              </a:tr>
-              <a:tr h="370840">
-                <a:tc>
-                  <a:txBody>
-                    <a:bodyPr/>
-                    <a:lstStyle/>
-                    <a:p>
-                      <a:r>
-                        <a:rPr lang="th-TH" dirty="0" smtClean="0"/>
-                        <a:t>แพทย์เวชปฏิบัติ</a:t>
-                      </a:r>
-                      <a:endParaRPr lang="en-GB" dirty="0"/>
-                    </a:p>
-                  </a:txBody>
-                  <a:tcPr/>
-                </a:tc>
-                <a:tc>
-                  <a:txBody>
-                    <a:bodyPr/>
-                    <a:lstStyle/>
-                    <a:p>
-                      <a:pPr algn="ctr"/>
-                      <a:r>
-                        <a:rPr lang="th-TH" dirty="0" smtClean="0"/>
-                        <a:t>5</a:t>
-                      </a:r>
-                      <a:endParaRPr lang="en-GB" dirty="0"/>
-                    </a:p>
-                  </a:txBody>
-                  <a:tcPr/>
-                </a:tc>
-                <a:tc>
-                  <a:txBody>
-                    <a:bodyPr/>
-                    <a:lstStyle/>
-                    <a:p>
-                      <a:pPr algn="ctr"/>
-                      <a:r>
-                        <a:rPr lang="th-TH" dirty="0" smtClean="0"/>
-                        <a:t>คน</a:t>
-                      </a:r>
-                      <a:endParaRPr lang="en-GB" dirty="0"/>
-                    </a:p>
-                  </a:txBody>
-                  <a:tcPr/>
-                </a:tc>
-                <a:extLst>
-                  <a:ext uri="{0D108BD9-81ED-4DB2-BD59-A6C34878D82A}">
-                    <a16:rowId xmlns:a16="http://schemas.microsoft.com/office/drawing/2014/main" val="1770452466"/>
-                  </a:ext>
-                </a:extLst>
-              </a:tr>
-              <a:tr h="370840">
-                <a:tc>
-                  <a:txBody>
-                    <a:bodyPr/>
-                    <a:lstStyle/>
-                    <a:p>
-                      <a:r>
-                        <a:rPr lang="th-TH" dirty="0" smtClean="0"/>
-                        <a:t>ทันตแพทย์</a:t>
-                      </a:r>
-                      <a:endParaRPr lang="en-GB" dirty="0"/>
-                    </a:p>
-                  </a:txBody>
-                  <a:tcPr/>
-                </a:tc>
-                <a:tc>
-                  <a:txBody>
-                    <a:bodyPr/>
-                    <a:lstStyle/>
-                    <a:p>
-                      <a:pPr algn="ctr"/>
-                      <a:r>
-                        <a:rPr lang="th-TH" dirty="0" smtClean="0"/>
-                        <a:t>1</a:t>
-                      </a:r>
-                      <a:endParaRPr lang="en-GB" dirty="0"/>
-                    </a:p>
-                  </a:txBody>
-                  <a:tcPr/>
-                </a:tc>
-                <a:tc>
-                  <a:txBody>
-                    <a:bodyPr/>
-                    <a:lstStyle/>
-                    <a:p>
-                      <a:pPr algn="ctr"/>
-                      <a:r>
-                        <a:rPr lang="th-TH" dirty="0" smtClean="0"/>
-                        <a:t>คน</a:t>
-                      </a:r>
-                      <a:endParaRPr lang="en-GB" dirty="0"/>
-                    </a:p>
-                  </a:txBody>
-                  <a:tcPr/>
-                </a:tc>
-                <a:extLst>
-                  <a:ext uri="{0D108BD9-81ED-4DB2-BD59-A6C34878D82A}">
-                    <a16:rowId xmlns:a16="http://schemas.microsoft.com/office/drawing/2014/main" val="2363030441"/>
-                  </a:ext>
-                </a:extLst>
-              </a:tr>
-            </a:tbl>
-          </a:graphicData>
-        </a:graphic>
-      </p:graphicFrame>
-    </p:spTree>
-    <p:extLst>
-      <p:ext uri="{BB962C8B-B14F-4D97-AF65-F5344CB8AC3E}">
-        <p14:creationId xmlns:p14="http://schemas.microsoft.com/office/powerpoint/2010/main" val="1499112481"/>
-      </p:ext>
-    </p:extLst>
-  </p:cSld>
-  <p:clrMapOvr>
-    <a:masterClrMapping/>
-  </p:clrMapOvr>
-  <p:timing>
-    <p:tnLst>
-      <p:par>
-        <p:cTn id="1" dur="indefinite" restart="never" nodeType="tmRoot"/>
-      </p:par>
-    </p:tnLst>
-  </p:timing>
-</p:sld>
-</file>
-
-<file path=ppt/slides/slide3.xml><?xml version="1.0" encoding="utf-8"?>
-<p:sld xmlns:a="http://schemas.openxmlformats.org/drawingml/2006/main" xmlns:r="http://schemas.openxmlformats.org/officeDocument/2006/relationships" xmlns:p="http://schemas.openxmlformats.org/presentationml/2006/main">
-  <p:cSld>
-    <p:spTree>
-      <p:nvGrpSpPr>
-        <p:cNvPr id="1" name=""/>
-        <p:cNvGrpSpPr/>
-        <p:nvPr/>
-      </p:nvGrpSpPr>
-      <p:grpSpPr>
-        <a:xfrm>
-          <a:off x="0" y="0"/>
-          <a:ext cx="0" cy="0"/>
-          <a:chOff x="0" y="0"/>
-          <a:chExt cx="0" cy="0"/>
-        </a:xfrm>
-      </p:grpSpPr>
-      <p:sp>
-        <p:nvSpPr>
-          <p:cNvPr id="2" name="Title 1"/>
-          <p:cNvSpPr>
-            <a:spLocks noGrp="1"/>
-          </p:cNvSpPr>
-          <p:nvPr>
-            <p:ph type="title"/>
-          </p:nvPr>
-        </p:nvSpPr>
-        <p:spPr/>
-        <p:txBody>
-          <a:bodyPr/>
-          <a:lstStyle/>
-          <a:p>
-            <a:r>
-              <a:rPr lang="th-TH" dirty="0" smtClean="0"/>
-              <a:t>โรงพยาบาลชุมชน ( รพช. )</a:t>
-            </a:r>
-            <a:endParaRPr lang="en-GB" dirty="0"/>
-          </a:p>
-        </p:txBody>
-      </p:sp>
-      <p:graphicFrame>
-        <p:nvGraphicFramePr>
-          <p:cNvPr id="4" name="Content Placeholder 3"/>
-          <p:cNvGraphicFramePr>
-            <a:graphicFrameLocks noGrp="1"/>
-          </p:cNvGraphicFramePr>
-          <p:nvPr>
-            <p:ph idx="1"/>
-            <p:extLst>
-              <p:ext uri="{D42A27DB-BD31-4B8C-83A1-F6EECF244321}">
-                <p14:modId xmlns:p14="http://schemas.microsoft.com/office/powerpoint/2010/main" val="632943984"/>
-              </p:ext>
-            </p:extLst>
-          </p:nvPr>
-        </p:nvGraphicFramePr>
-        <p:xfrm>
-          <a:off x="2377440" y="2336800"/>
-          <a:ext cx="7917498" cy="3708400"/>
-        </p:xfrm>
-        <a:graphic>
-          <a:graphicData uri="http://schemas.openxmlformats.org/drawingml/2006/table">
-            <a:tbl>
-              <a:tblPr firstRow="1" bandRow="1">
-                <a:tableStyleId>{5C22544A-7EE6-4342-B048-85BDC9FD1C3A}</a:tableStyleId>
-              </a:tblPr>
-              <a:tblGrid>
-                <a:gridCol w="4840744">
-                  <a:extLst>
-                    <a:ext uri="{9D8B030D-6E8A-4147-A177-3AD203B41FA5}">
-                      <a16:colId xmlns:a16="http://schemas.microsoft.com/office/drawing/2014/main" val="2337700145"/>
-                    </a:ext>
-                  </a:extLst>
-                </a:gridCol>
-                <a:gridCol w="3076754">
-                  <a:extLst>
-                    <a:ext uri="{9D8B030D-6E8A-4147-A177-3AD203B41FA5}">
-                      <a16:colId xmlns:a16="http://schemas.microsoft.com/office/drawing/2014/main" val="1156343673"/>
-                    </a:ext>
-                  </a:extLst>
-                </a:gridCol>
-              </a:tblGrid>
-              <a:tr h="370840">
-                <a:tc>
-                  <a:txBody>
-                    <a:bodyPr/>
-                    <a:lstStyle/>
-                    <a:p>
-                      <a:pPr algn="ctr"/>
-                      <a:r>
-                        <a:rPr lang="th-TH" dirty="0" smtClean="0"/>
-                        <a:t>ชื่อสถานบริการ</a:t>
-                      </a:r>
-                      <a:endParaRPr lang="en-GB" dirty="0"/>
-                    </a:p>
-                  </a:txBody>
-                  <a:tcPr anchor="ctr"/>
-                </a:tc>
-                <a:tc>
-                  <a:txBody>
-                    <a:bodyPr/>
-                    <a:lstStyle/>
-                    <a:p>
-                      <a:pPr algn="ctr"/>
-                      <a:r>
-                        <a:rPr lang="th-TH" dirty="0" smtClean="0"/>
-                        <a:t>จำนวนเตียงผู้ป่วย</a:t>
-                      </a:r>
-                      <a:endParaRPr lang="en-GB" dirty="0"/>
-                    </a:p>
-                  </a:txBody>
-                  <a:tcPr anchor="ctr"/>
-                </a:tc>
-                <a:extLst>
-                  <a:ext uri="{0D108BD9-81ED-4DB2-BD59-A6C34878D82A}">
-                    <a16:rowId xmlns:a16="http://schemas.microsoft.com/office/drawing/2014/main" val="2285220205"/>
-                  </a:ext>
-                </a:extLst>
-              </a:tr>
-              <a:tr h="370840">
-                <a:tc>
-                  <a:txBody>
-                    <a:bodyPr/>
-                    <a:lstStyle/>
-                    <a:p>
-                      <a:pPr algn="l"/>
-                      <a:r>
-                        <a:rPr lang="th-TH" dirty="0" smtClean="0"/>
-                        <a:t>1.</a:t>
-                      </a:r>
-                      <a:r>
-                        <a:rPr lang="th-TH" baseline="0" dirty="0" smtClean="0"/>
-                        <a:t> โรงพยาบาลมาบอำมฤต</a:t>
-                      </a:r>
-                      <a:endParaRPr lang="en-GB" dirty="0"/>
-                    </a:p>
-                  </a:txBody>
-                  <a:tcPr anchor="ctr"/>
-                </a:tc>
-                <a:tc>
-                  <a:txBody>
-                    <a:bodyPr/>
-                    <a:lstStyle/>
-                    <a:p>
-                      <a:pPr algn="ctr"/>
-                      <a:r>
-                        <a:rPr lang="th-TH" dirty="0" smtClean="0"/>
-                        <a:t>30</a:t>
-                      </a:r>
-                      <a:endParaRPr lang="en-GB" dirty="0"/>
-                    </a:p>
-                  </a:txBody>
-                  <a:tcPr anchor="ctr"/>
-                </a:tc>
-                <a:extLst>
-                  <a:ext uri="{0D108BD9-81ED-4DB2-BD59-A6C34878D82A}">
-                    <a16:rowId xmlns:a16="http://schemas.microsoft.com/office/drawing/2014/main" val="2303456315"/>
-                  </a:ext>
-                </a:extLst>
-              </a:tr>
-              <a:tr h="370840">
-                <a:tc>
-                  <a:txBody>
-                    <a:bodyPr/>
-                    <a:lstStyle/>
-                    <a:p>
-                      <a:pPr algn="l"/>
-                      <a:r>
-                        <a:rPr lang="th-TH" dirty="0" smtClean="0"/>
-                        <a:t>2. โรงพยาบาลปะทิว</a:t>
-                      </a:r>
-                      <a:endParaRPr lang="en-GB" dirty="0"/>
-                    </a:p>
-                  </a:txBody>
-                  <a:tcPr anchor="ctr"/>
-                </a:tc>
-                <a:tc>
-                  <a:txBody>
-                    <a:bodyPr/>
-                    <a:lstStyle/>
-                    <a:p>
-                      <a:pPr algn="ctr"/>
-                      <a:r>
-                        <a:rPr lang="th-TH" dirty="0" smtClean="0"/>
-                        <a:t>60</a:t>
-                      </a:r>
-                      <a:endParaRPr lang="en-GB" dirty="0"/>
-                    </a:p>
-                  </a:txBody>
-                  <a:tcPr anchor="ctr"/>
-                </a:tc>
-                <a:extLst>
-                  <a:ext uri="{0D108BD9-81ED-4DB2-BD59-A6C34878D82A}">
-                    <a16:rowId xmlns:a16="http://schemas.microsoft.com/office/drawing/2014/main" val="827897970"/>
-                  </a:ext>
-                </a:extLst>
-              </a:tr>
-              <a:tr h="370840">
-                <a:tc>
-                  <a:txBody>
-                    <a:bodyPr/>
-                    <a:lstStyle/>
-                    <a:p>
-                      <a:pPr algn="l"/>
-                      <a:r>
-                        <a:rPr lang="th-TH" dirty="0" smtClean="0"/>
-                        <a:t>3.</a:t>
-                      </a:r>
-                      <a:r>
-                        <a:rPr lang="th-TH" baseline="0" dirty="0" smtClean="0"/>
-                        <a:t> โรงพยาบาลท่าแซะ</a:t>
-                      </a:r>
-                      <a:endParaRPr lang="en-GB" dirty="0"/>
-                    </a:p>
-                  </a:txBody>
-                  <a:tcPr anchor="ctr"/>
-                </a:tc>
-                <a:tc>
-                  <a:txBody>
-                    <a:bodyPr/>
-                    <a:lstStyle/>
-                    <a:p>
-                      <a:pPr algn="ctr"/>
-                      <a:r>
-                        <a:rPr lang="th-TH" dirty="0" smtClean="0"/>
-                        <a:t>60</a:t>
-                      </a:r>
-                      <a:endParaRPr lang="en-GB" dirty="0"/>
-                    </a:p>
-                  </a:txBody>
-                  <a:tcPr anchor="ctr"/>
-                </a:tc>
-                <a:extLst>
-                  <a:ext uri="{0D108BD9-81ED-4DB2-BD59-A6C34878D82A}">
-                    <a16:rowId xmlns:a16="http://schemas.microsoft.com/office/drawing/2014/main" val="3390104970"/>
-                  </a:ext>
-                </a:extLst>
-              </a:tr>
-              <a:tr h="370840">
-                <a:tc>
-                  <a:txBody>
-                    <a:bodyPr/>
-                    <a:lstStyle/>
-                    <a:p>
-                      <a:pPr algn="l"/>
-                      <a:r>
-                        <a:rPr lang="th-TH" dirty="0" smtClean="0"/>
-                        <a:t>4. โรงพยาบาลปากน้ำชุมพร</a:t>
-                      </a:r>
-                      <a:endParaRPr lang="en-GB" dirty="0"/>
-                    </a:p>
-                  </a:txBody>
-                  <a:tcPr anchor="ctr"/>
-                </a:tc>
-                <a:tc>
-                  <a:txBody>
-                    <a:bodyPr/>
-                    <a:lstStyle/>
-                    <a:p>
-                      <a:pPr algn="ctr"/>
-                      <a:r>
-                        <a:rPr lang="th-TH" dirty="0" smtClean="0"/>
-                        <a:t>10</a:t>
-                      </a:r>
-                      <a:endParaRPr lang="en-GB" dirty="0"/>
-                    </a:p>
-                  </a:txBody>
-                  <a:tcPr anchor="ctr"/>
-                </a:tc>
-                <a:extLst>
-                  <a:ext uri="{0D108BD9-81ED-4DB2-BD59-A6C34878D82A}">
-                    <a16:rowId xmlns:a16="http://schemas.microsoft.com/office/drawing/2014/main" val="2976096378"/>
-                  </a:ext>
-                </a:extLst>
-              </a:tr>
-              <a:tr h="370840">
-                <a:tc>
-                  <a:txBody>
-                    <a:bodyPr/>
-                    <a:lstStyle/>
-                    <a:p>
-                      <a:pPr algn="l"/>
-                      <a:r>
-                        <a:rPr lang="th-TH" dirty="0" smtClean="0"/>
-                        <a:t>5. โรงพยาบาลสวี</a:t>
-                      </a:r>
-                      <a:endParaRPr lang="en-GB" dirty="0"/>
-                    </a:p>
-                  </a:txBody>
-                  <a:tcPr anchor="ctr"/>
-                </a:tc>
-                <a:tc>
-                  <a:txBody>
-                    <a:bodyPr/>
-                    <a:lstStyle/>
-                    <a:p>
-                      <a:pPr algn="ctr"/>
-                      <a:r>
-                        <a:rPr lang="th-TH" dirty="0" smtClean="0"/>
-                        <a:t>67</a:t>
-                      </a:r>
-                      <a:endParaRPr lang="en-GB" dirty="0"/>
-                    </a:p>
-                  </a:txBody>
-                  <a:tcPr anchor="ctr"/>
-                </a:tc>
-                <a:extLst>
-                  <a:ext uri="{0D108BD9-81ED-4DB2-BD59-A6C34878D82A}">
-                    <a16:rowId xmlns:a16="http://schemas.microsoft.com/office/drawing/2014/main" val="4033024754"/>
-                  </a:ext>
-                </a:extLst>
-              </a:tr>
-              <a:tr h="370840">
-                <a:tc>
-                  <a:txBody>
-                    <a:bodyPr/>
-                    <a:lstStyle/>
-                    <a:p>
-                      <a:pPr algn="l"/>
-                      <a:r>
-                        <a:rPr lang="th-TH" dirty="0" smtClean="0"/>
-                        <a:t>6. โรงพยาบาลทุ่งตะโก</a:t>
-                      </a:r>
-                      <a:endParaRPr lang="en-GB" dirty="0"/>
-                    </a:p>
-                  </a:txBody>
-                  <a:tcPr anchor="ctr"/>
-                </a:tc>
-                <a:tc>
-                  <a:txBody>
-                    <a:bodyPr/>
-                    <a:lstStyle/>
-                    <a:p>
-                      <a:pPr algn="ctr"/>
-                      <a:r>
-                        <a:rPr lang="th-TH" dirty="0" smtClean="0"/>
-                        <a:t>30</a:t>
-                      </a:r>
-                      <a:endParaRPr lang="en-GB" dirty="0"/>
-                    </a:p>
-                  </a:txBody>
-                  <a:tcPr anchor="ctr"/>
-                </a:tc>
-                <a:extLst>
-                  <a:ext uri="{0D108BD9-81ED-4DB2-BD59-A6C34878D82A}">
-                    <a16:rowId xmlns:a16="http://schemas.microsoft.com/office/drawing/2014/main" val="768989971"/>
-                  </a:ext>
-                </a:extLst>
-              </a:tr>
-              <a:tr h="370840">
-                <a:tc>
-                  <a:txBody>
-                    <a:bodyPr/>
-                    <a:lstStyle/>
-                    <a:p>
-                      <a:pPr algn="l"/>
-                      <a:r>
-                        <a:rPr lang="th-TH" dirty="0" smtClean="0"/>
-                        <a:t>7. โรงพยาบาลหลังสวน</a:t>
-                      </a:r>
-                      <a:endParaRPr lang="en-GB" dirty="0"/>
-                    </a:p>
-                  </a:txBody>
-                  <a:tcPr anchor="ctr"/>
-                </a:tc>
-                <a:tc>
-                  <a:txBody>
-                    <a:bodyPr/>
-                    <a:lstStyle/>
-                    <a:p>
-                      <a:pPr algn="ctr"/>
-                      <a:r>
-                        <a:rPr lang="th-TH" dirty="0" smtClean="0"/>
-                        <a:t>120</a:t>
-                      </a:r>
-                      <a:endParaRPr lang="en-GB" dirty="0"/>
-                    </a:p>
-                  </a:txBody>
-                  <a:tcPr anchor="ctr"/>
-                </a:tc>
-                <a:extLst>
-                  <a:ext uri="{0D108BD9-81ED-4DB2-BD59-A6C34878D82A}">
-                    <a16:rowId xmlns:a16="http://schemas.microsoft.com/office/drawing/2014/main" val="1325328197"/>
-                  </a:ext>
-                </a:extLst>
-              </a:tr>
-              <a:tr h="370840">
-                <a:tc>
-                  <a:txBody>
-                    <a:bodyPr/>
-                    <a:lstStyle/>
-                    <a:p>
-                      <a:pPr algn="l"/>
-                      <a:r>
-                        <a:rPr lang="th-TH" dirty="0" smtClean="0"/>
-                        <a:t>8. โรงพยาบาลละแม</a:t>
-                      </a:r>
-                      <a:endParaRPr lang="en-GB" dirty="0"/>
-                    </a:p>
-                  </a:txBody>
-                  <a:tcPr anchor="ctr"/>
-                </a:tc>
-                <a:tc>
-                  <a:txBody>
-                    <a:bodyPr/>
-                    <a:lstStyle/>
-                    <a:p>
-                      <a:pPr algn="ctr"/>
-                      <a:r>
-                        <a:rPr lang="th-TH" dirty="0" smtClean="0"/>
-                        <a:t>30</a:t>
-                      </a:r>
-                      <a:endParaRPr lang="en-GB" dirty="0"/>
-                    </a:p>
-                  </a:txBody>
-                  <a:tcPr anchor="ctr"/>
-                </a:tc>
-                <a:extLst>
-                  <a:ext uri="{0D108BD9-81ED-4DB2-BD59-A6C34878D82A}">
-                    <a16:rowId xmlns:a16="http://schemas.microsoft.com/office/drawing/2014/main" val="2835718686"/>
-                  </a:ext>
-                </a:extLst>
-              </a:tr>
-              <a:tr h="370840">
-                <a:tc>
-                  <a:txBody>
-                    <a:bodyPr/>
-                    <a:lstStyle/>
-                    <a:p>
-                      <a:pPr algn="l"/>
-                      <a:r>
-                        <a:rPr lang="th-TH" dirty="0" smtClean="0"/>
-                        <a:t>9. โรงพยาบาลพะโต๊ะ</a:t>
-                      </a:r>
-                      <a:endParaRPr lang="en-GB" dirty="0"/>
-                    </a:p>
-                  </a:txBody>
-                  <a:tcPr anchor="ctr"/>
-                </a:tc>
-                <a:tc>
-                  <a:txBody>
-                    <a:bodyPr/>
-                    <a:lstStyle/>
-                    <a:p>
-                      <a:pPr algn="ctr"/>
-                      <a:r>
-                        <a:rPr lang="th-TH" dirty="0" smtClean="0"/>
-                        <a:t>30</a:t>
-                      </a:r>
-                      <a:endParaRPr lang="en-GB" dirty="0"/>
-                    </a:p>
-                  </a:txBody>
-                  <a:tcPr anchor="ctr"/>
-                </a:tc>
-                <a:extLst>
-                  <a:ext uri="{0D108BD9-81ED-4DB2-BD59-A6C34878D82A}">
-                    <a16:rowId xmlns:a16="http://schemas.microsoft.com/office/drawing/2014/main" val="524313991"/>
-                  </a:ext>
-                </a:extLst>
-              </a:tr>
-            </a:tbl>
-          </a:graphicData>
-        </a:graphic>
-      </p:graphicFrame>
-    </p:spTree>
-    <p:extLst>
-      <p:ext uri="{BB962C8B-B14F-4D97-AF65-F5344CB8AC3E}">
-        <p14:creationId xmlns:p14="http://schemas.microsoft.com/office/powerpoint/2010/main" val="15758957"/>
-      </p:ext>
-    </p:extLst>
-  </p:cSld>
-  <p:clrMapOvr>
-    <a:masterClrMapping/>
-  </p:clrMapOvr>
-  <p:timing>
-    <p:tnLst>
-      <p:par>
-        <p:cTn id="1" dur="indefinite" restart="never" nodeType="tmRoot"/>
-      </p:par>
-    </p:tnLst>
-  </p:timing>
-</p:sld>
-</file>
-
-<file path=ppt/slides/slide4.xml><?xml version="1.0" encoding="utf-8"?>
-<p:sld xmlns:a="http://schemas.openxmlformats.org/drawingml/2006/main" xmlns:r="http://schemas.openxmlformats.org/officeDocument/2006/relationships" xmlns:p="http://schemas.openxmlformats.org/presentationml/2006/main">
-  <p:cSld>
-    <p:spTree>
-      <p:nvGrpSpPr>
-        <p:cNvPr id="1" name=""/>
-        <p:cNvGrpSpPr/>
-        <p:nvPr/>
-      </p:nvGrpSpPr>
-      <p:grpSpPr>
-        <a:xfrm>
-          <a:off x="0" y="0"/>
-          <a:ext cx="0" cy="0"/>
-          <a:chOff x="0" y="0"/>
-          <a:chExt cx="0" cy="0"/>
-        </a:xfrm>
-      </p:grpSpPr>
-      <p:sp>
-        <p:nvSpPr>
-          <p:cNvPr id="2" name="Title 1"/>
-          <p:cNvSpPr>
-            <a:spLocks noGrp="1"/>
-          </p:cNvSpPr>
-          <p:nvPr>
-            <p:ph type="title"/>
-          </p:nvPr>
-        </p:nvSpPr>
-        <p:spPr/>
-        <p:txBody>
-          <a:bodyPr/>
-          <a:lstStyle/>
-          <a:p>
-            <a:r>
-              <a:rPr lang="th-TH" dirty="0" smtClean="0"/>
-              <a:t>โรงพยาบาลส่งเสริมสุขภาพระดับตำบล/สาธารณสุขชุมชน</a:t>
-            </a:r>
-            <a:endParaRPr lang="en-GB" dirty="0"/>
-          </a:p>
-        </p:txBody>
-      </p:sp>
-      <p:graphicFrame>
-        <p:nvGraphicFramePr>
-          <p:cNvPr id="4" name="Content Placeholder 3"/>
-          <p:cNvGraphicFramePr>
-            <a:graphicFrameLocks noGrp="1"/>
-          </p:cNvGraphicFramePr>
-          <p:nvPr>
-            <p:ph idx="1"/>
-            <p:extLst>
-              <p:ext uri="{D42A27DB-BD31-4B8C-83A1-F6EECF244321}">
-                <p14:modId xmlns:p14="http://schemas.microsoft.com/office/powerpoint/2010/main" val="4012740494"/>
-              </p:ext>
-            </p:extLst>
-          </p:nvPr>
-        </p:nvGraphicFramePr>
-        <p:xfrm>
-          <a:off x="2461846" y="2336800"/>
-          <a:ext cx="7833092" cy="1854200"/>
-        </p:xfrm>
-        <a:graphic>
-          <a:graphicData uri="http://schemas.openxmlformats.org/drawingml/2006/table">
-            <a:tbl>
-              <a:tblPr firstRow="1" bandRow="1">
-                <a:tableStyleId>{5C22544A-7EE6-4342-B048-85BDC9FD1C3A}</a:tableStyleId>
-              </a:tblPr>
-              <a:tblGrid>
-                <a:gridCol w="3916546">
-                  <a:extLst>
-                    <a:ext uri="{9D8B030D-6E8A-4147-A177-3AD203B41FA5}">
-                      <a16:colId xmlns:a16="http://schemas.microsoft.com/office/drawing/2014/main" val="4132056343"/>
-                    </a:ext>
-                  </a:extLst>
-                </a:gridCol>
-                <a:gridCol w="3916546">
-                  <a:extLst>
-                    <a:ext uri="{9D8B030D-6E8A-4147-A177-3AD203B41FA5}">
-                      <a16:colId xmlns:a16="http://schemas.microsoft.com/office/drawing/2014/main" val="4072339096"/>
-                    </a:ext>
-                  </a:extLst>
-                </a:gridCol>
-              </a:tblGrid>
-              <a:tr h="370840">
-                <a:tc>
-                  <a:txBody>
-                    <a:bodyPr/>
-                    <a:lstStyle/>
-                    <a:p>
-                      <a:pPr algn="ctr"/>
-                      <a:r>
-                        <a:rPr lang="th-TH" dirty="0" smtClean="0"/>
-                        <a:t>สถานบริการ</a:t>
-                      </a:r>
-                      <a:endParaRPr lang="en-GB" dirty="0"/>
-                    </a:p>
-                  </a:txBody>
-                  <a:tcPr anchor="ctr"/>
-                </a:tc>
-                <a:tc>
-                  <a:txBody>
-                    <a:bodyPr/>
-                    <a:lstStyle/>
-                    <a:p>
-                      <a:pPr algn="ctr"/>
-                      <a:r>
-                        <a:rPr lang="th-TH" dirty="0" smtClean="0"/>
-                        <a:t>จำนวน(</a:t>
-                      </a:r>
-                      <a:r>
-                        <a:rPr lang="th-TH" baseline="0" dirty="0" smtClean="0"/>
-                        <a:t> แห่ง )</a:t>
-                      </a:r>
-                      <a:endParaRPr lang="en-GB" dirty="0"/>
-                    </a:p>
-                  </a:txBody>
-                  <a:tcPr anchor="ctr"/>
-                </a:tc>
-                <a:extLst>
-                  <a:ext uri="{0D108BD9-81ED-4DB2-BD59-A6C34878D82A}">
-                    <a16:rowId xmlns:a16="http://schemas.microsoft.com/office/drawing/2014/main" val="2613932256"/>
-                  </a:ext>
-                </a:extLst>
-              </a:tr>
-              <a:tr h="370840">
-                <a:tc>
-                  <a:txBody>
-                    <a:bodyPr/>
-                    <a:lstStyle/>
-                    <a:p>
-                      <a:pPr marL="0" indent="0">
-                        <a:buNone/>
-                      </a:pPr>
-                      <a:r>
-                        <a:rPr lang="th-TH" dirty="0" smtClean="0"/>
-                        <a:t>1. โรงพยาบาลส่งเสริมสุขภาพระดับตำบล</a:t>
-                      </a:r>
-                      <a:endParaRPr lang="en-GB" dirty="0"/>
-                    </a:p>
-                  </a:txBody>
-                  <a:tcPr anchor="ctr"/>
-                </a:tc>
-                <a:tc>
-                  <a:txBody>
-                    <a:bodyPr/>
-                    <a:lstStyle/>
-                    <a:p>
-                      <a:pPr algn="ctr"/>
-                      <a:r>
-                        <a:rPr lang="th-TH" dirty="0" smtClean="0"/>
-                        <a:t>90</a:t>
-                      </a:r>
-                      <a:endParaRPr lang="en-GB" dirty="0"/>
-                    </a:p>
-                  </a:txBody>
-                  <a:tcPr anchor="ctr"/>
-                </a:tc>
-                <a:extLst>
-                  <a:ext uri="{0D108BD9-81ED-4DB2-BD59-A6C34878D82A}">
-                    <a16:rowId xmlns:a16="http://schemas.microsoft.com/office/drawing/2014/main" val="150647641"/>
-                  </a:ext>
-                </a:extLst>
-              </a:tr>
-              <a:tr h="370840">
-                <a:tc>
-                  <a:txBody>
-                    <a:bodyPr/>
-                    <a:lstStyle/>
-                    <a:p>
-                      <a:r>
-                        <a:rPr lang="th-TH" dirty="0" smtClean="0"/>
-                        <a:t>2. </a:t>
-                      </a:r>
-                      <a:r>
-                        <a:rPr lang="en-US" dirty="0" smtClean="0"/>
-                        <a:t>PCU</a:t>
-                      </a:r>
-                      <a:r>
-                        <a:rPr lang="en-US" baseline="0" dirty="0" smtClean="0"/>
-                        <a:t> </a:t>
-                      </a:r>
-                      <a:r>
-                        <a:rPr lang="th-TH" baseline="0" dirty="0" smtClean="0"/>
-                        <a:t>โรงพยาบาลชุมพรเชตรอุดมศักดิ์</a:t>
-                      </a:r>
-                    </a:p>
-                  </a:txBody>
-                  <a:tcPr anchor="ctr"/>
-                </a:tc>
-                <a:tc>
-                  <a:txBody>
-                    <a:bodyPr/>
-                    <a:lstStyle/>
-                    <a:p>
-                      <a:pPr algn="ctr"/>
-                      <a:r>
-                        <a:rPr lang="th-TH" dirty="0" smtClean="0"/>
-                        <a:t>2</a:t>
-                      </a:r>
-                      <a:endParaRPr lang="en-GB" dirty="0"/>
-                    </a:p>
-                  </a:txBody>
-                  <a:tcPr anchor="ctr"/>
-                </a:tc>
-                <a:extLst>
-                  <a:ext uri="{0D108BD9-81ED-4DB2-BD59-A6C34878D82A}">
-                    <a16:rowId xmlns:a16="http://schemas.microsoft.com/office/drawing/2014/main" val="4252073704"/>
-                  </a:ext>
-                </a:extLst>
-              </a:tr>
-              <a:tr h="370840">
-                <a:tc>
-                  <a:txBody>
-                    <a:bodyPr/>
-                    <a:lstStyle/>
-                    <a:p>
-                      <a:r>
-                        <a:rPr lang="th-TH" dirty="0" smtClean="0"/>
-                        <a:t>3. </a:t>
-                      </a:r>
-                      <a:r>
-                        <a:rPr lang="en-US" dirty="0" smtClean="0"/>
-                        <a:t>PCU</a:t>
-                      </a:r>
-                      <a:r>
-                        <a:rPr lang="en-US" baseline="0" dirty="0" smtClean="0"/>
-                        <a:t> </a:t>
-                      </a:r>
-                      <a:r>
-                        <a:rPr lang="th-TH" baseline="0" dirty="0" smtClean="0"/>
-                        <a:t>เทศบาลเมืองชุมพร</a:t>
-                      </a:r>
-                      <a:endParaRPr lang="en-GB" dirty="0"/>
-                    </a:p>
-                  </a:txBody>
-                  <a:tcPr anchor="ctr"/>
-                </a:tc>
-                <a:tc>
-                  <a:txBody>
-                    <a:bodyPr/>
-                    <a:lstStyle/>
-                    <a:p>
-                      <a:pPr algn="ctr"/>
-                      <a:r>
-                        <a:rPr lang="th-TH" dirty="0" smtClean="0"/>
-                        <a:t>1</a:t>
-                      </a:r>
-                      <a:endParaRPr lang="en-GB" dirty="0"/>
-                    </a:p>
-                  </a:txBody>
-                  <a:tcPr anchor="ctr"/>
-                </a:tc>
-                <a:extLst>
-                  <a:ext uri="{0D108BD9-81ED-4DB2-BD59-A6C34878D82A}">
-                    <a16:rowId xmlns:a16="http://schemas.microsoft.com/office/drawing/2014/main" val="2199406711"/>
-                  </a:ext>
-                </a:extLst>
-              </a:tr>
-              <a:tr h="370840">
-                <a:tc>
-                  <a:txBody>
-                    <a:bodyPr/>
-                    <a:lstStyle/>
-                    <a:p>
-                      <a:r>
-                        <a:rPr lang="th-TH" dirty="0" smtClean="0"/>
-                        <a:t>4. </a:t>
-                      </a:r>
-                      <a:r>
-                        <a:rPr lang="en-US" dirty="0" smtClean="0"/>
-                        <a:t>PCU</a:t>
-                      </a:r>
-                      <a:r>
-                        <a:rPr lang="th-TH" baseline="0" dirty="0" smtClean="0"/>
-                        <a:t> เทศบาลเมืองหลังสวน</a:t>
-                      </a:r>
-                      <a:endParaRPr lang="en-GB" dirty="0"/>
-                    </a:p>
-                  </a:txBody>
-                  <a:tcPr anchor="ctr"/>
-                </a:tc>
-                <a:tc>
-                  <a:txBody>
-                    <a:bodyPr/>
-                    <a:lstStyle/>
-                    <a:p>
-                      <a:pPr algn="ctr"/>
-                      <a:r>
-                        <a:rPr lang="th-TH" dirty="0" smtClean="0"/>
-                        <a:t>1</a:t>
-                      </a:r>
-                      <a:endParaRPr lang="en-GB" dirty="0"/>
-                    </a:p>
-                  </a:txBody>
-                  <a:tcPr anchor="ctr"/>
-                </a:tc>
-                <a:extLst>
-                  <a:ext uri="{0D108BD9-81ED-4DB2-BD59-A6C34878D82A}">
-                    <a16:rowId xmlns:a16="http://schemas.microsoft.com/office/drawing/2014/main" val="4120650715"/>
-                  </a:ext>
-                </a:extLst>
-              </a:tr>
-            </a:tbl>
-          </a:graphicData>
-        </a:graphic>
-      </p:graphicFrame>
-    </p:spTree>
-    <p:extLst>
-      <p:ext uri="{BB962C8B-B14F-4D97-AF65-F5344CB8AC3E}">
-        <p14:creationId xmlns:p14="http://schemas.microsoft.com/office/powerpoint/2010/main" val="4105060014"/>
-      </p:ext>
-    </p:extLst>
-  </p:cSld>
-  <p:clrMapOvr>
-    <a:masterClrMapping/>
-  </p:clrMapOvr>
-  <p:timing>
-    <p:tnLst>
-      <p:par>
-        <p:cTn id="1" dur="indefinite" restart="never" nodeType="tmRoot"/>
-      </p:par>
-    </p:tnLst>
-  </p:timing>
-</p:sld>
-</file>
-
-<file path=ppt/slides/slide5.xml><?xml version="1.0" encoding="utf-8"?>
-<p:sld xmlns:a="http://schemas.openxmlformats.org/drawingml/2006/main" xmlns:r="http://schemas.openxmlformats.org/officeDocument/2006/relationships" xmlns:p="http://schemas.openxmlformats.org/presentationml/2006/main">
-  <p:cSld>
-    <p:spTree>
-      <p:nvGrpSpPr>
-        <p:cNvPr id="1" name=""/>
-        <p:cNvGrpSpPr/>
-        <p:nvPr/>
-      </p:nvGrpSpPr>
-      <p:grpSpPr>
-        <a:xfrm>
-          <a:off x="0" y="0"/>
-          <a:ext cx="0" cy="0"/>
-          <a:chOff x="0" y="0"/>
-          <a:chExt cx="0" cy="0"/>
-        </a:xfrm>
-      </p:grpSpPr>
-      <p:sp>
-        <p:nvSpPr>
-          <p:cNvPr id="2" name="Title 1"/>
-          <p:cNvSpPr>
-            <a:spLocks noGrp="1"/>
-          </p:cNvSpPr>
-          <p:nvPr>
-            <p:ph type="title"/>
-          </p:nvPr>
-        </p:nvSpPr>
-        <p:spPr/>
-        <p:txBody>
-          <a:bodyPr>
-            <a:normAutofit/>
-          </a:bodyPr>
-          <a:lstStyle/>
-          <a:p>
-            <a:pPr algn="ctr"/>
-            <a:r>
-              <a:rPr lang="th-TH" sz="6600" dirty="0" smtClean="0"/>
-              <a:t>สายด่วน 1669</a:t>
-            </a:r>
-            <a:endParaRPr lang="en-GB" sz="6600" dirty="0"/>
-          </a:p>
-        </p:txBody>
-      </p:sp>
-      <p:graphicFrame>
-        <p:nvGraphicFramePr>
-          <p:cNvPr id="4" name="Content Placeholder 3"/>
-          <p:cNvGraphicFramePr>
-            <a:graphicFrameLocks noGrp="1"/>
-          </p:cNvGraphicFramePr>
-          <p:nvPr>
-            <p:ph idx="1"/>
-            <p:extLst>
-              <p:ext uri="{D42A27DB-BD31-4B8C-83A1-F6EECF244321}">
-                <p14:modId xmlns:p14="http://schemas.microsoft.com/office/powerpoint/2010/main" val="973743131"/>
-              </p:ext>
-            </p:extLst>
-          </p:nvPr>
-        </p:nvGraphicFramePr>
-        <p:xfrm>
-          <a:off x="3066757" y="2452711"/>
-          <a:ext cx="6625883" cy="1280160"/>
-        </p:xfrm>
-        <a:graphic>
-          <a:graphicData uri="http://schemas.openxmlformats.org/drawingml/2006/table">
-            <a:tbl>
-              <a:tblPr firstRow="1" bandRow="1">
-                <a:tableStyleId>{5C22544A-7EE6-4342-B048-85BDC9FD1C3A}</a:tableStyleId>
-              </a:tblPr>
-              <a:tblGrid>
-                <a:gridCol w="6625883">
-                  <a:extLst>
-                    <a:ext uri="{9D8B030D-6E8A-4147-A177-3AD203B41FA5}">
-                      <a16:colId xmlns:a16="http://schemas.microsoft.com/office/drawing/2014/main" val="4241898624"/>
-                    </a:ext>
-                  </a:extLst>
-                </a:gridCol>
-              </a:tblGrid>
-              <a:tr h="370840">
-                <a:tc>
-                  <a:txBody>
-                    <a:bodyPr/>
-                    <a:lstStyle/>
-                    <a:p>
-                      <a:pPr algn="ctr"/>
-                      <a:r>
-                        <a:rPr lang="th-TH" sz="3600" dirty="0" smtClean="0"/>
-                        <a:t>เบอร์โทรศัพท์ 1669</a:t>
-                      </a:r>
-                      <a:endParaRPr lang="en-GB" sz="3600" dirty="0"/>
-                    </a:p>
-                  </a:txBody>
-                  <a:tcPr/>
-                </a:tc>
-                <a:extLst>
-                  <a:ext uri="{0D108BD9-81ED-4DB2-BD59-A6C34878D82A}">
-                    <a16:rowId xmlns:a16="http://schemas.microsoft.com/office/drawing/2014/main" val="905108828"/>
-                  </a:ext>
-                </a:extLst>
-              </a:tr>
-              <a:tr h="370840">
-                <a:tc>
-                  <a:txBody>
-                    <a:bodyPr/>
-                    <a:lstStyle/>
-                    <a:p>
-                      <a:pPr algn="ctr"/>
-                      <a:r>
-                        <a:rPr lang="th-TH" sz="3600" dirty="0" smtClean="0"/>
-                        <a:t>ระบบรับแจ้งเหตุทางการแพทย์ฉุกเฉิน 24 ชม.</a:t>
-                      </a:r>
-                      <a:endParaRPr lang="en-GB" sz="3600" dirty="0"/>
-                    </a:p>
-                  </a:txBody>
-                  <a:tcPr/>
-                </a:tc>
-                <a:extLst>
-                  <a:ext uri="{0D108BD9-81ED-4DB2-BD59-A6C34878D82A}">
-                    <a16:rowId xmlns:a16="http://schemas.microsoft.com/office/drawing/2014/main" val="1857665346"/>
-                  </a:ext>
-                </a:extLst>
-              </a:tr>
-            </a:tbl>
-          </a:graphicData>
-        </a:graphic>
-      </p:graphicFrame>
-      <p:sp>
-        <p:nvSpPr>
-          <p:cNvPr id="5" name="Rectangle 4"/>
-          <p:cNvSpPr/>
-          <p:nvPr/>
-        </p:nvSpPr>
-        <p:spPr>
-          <a:xfrm>
-            <a:off x="3066757" y="4119594"/>
-            <a:ext cx="6625883" cy="850005"/>
-          </a:xfrm>
-          <a:prstGeom prst="rect">
-            <a:avLst/>
-          </a:prstGeom>
-        </p:spPr>
-        <p:style>
-          <a:lnRef idx="2">
-            <a:schemeClr val="accent1">
-              <a:shade val="50000"/>
-            </a:schemeClr>
-          </a:lnRef>
-          <a:fillRef idx="1">
-            <a:schemeClr val="accent1"/>
-          </a:fillRef>
-          <a:effectRef idx="0">
-            <a:schemeClr val="accent1"/>
-          </a:effectRef>
-          <a:fontRef idx="minor">
-            <a:schemeClr val="lt1"/>
-          </a:fontRef>
-        </p:style>
-        <p:txBody>
-          <a:bodyPr rtlCol="0" anchor="ctr"/>
-          <a:lstStyle/>
-          <a:p>
-            <a:pPr algn="ctr"/>
-            <a:r>
-              <a:rPr lang="en-GB" sz="4000" dirty="0">
-                <a:latin typeface="Cordia New" panose="020B0304020202020204" pitchFamily="34" charset="-34"/>
-                <a:cs typeface="Cordia New" panose="020B0304020202020204" pitchFamily="34" charset="-34"/>
-              </a:rPr>
-              <a:t>http://</a:t>
-            </a:r>
-            <a:r>
-              <a:rPr lang="en-GB" sz="4000" dirty="0" smtClean="0">
-                <a:latin typeface="Cordia New" panose="020B0304020202020204" pitchFamily="34" charset="-34"/>
-                <a:cs typeface="Cordia New" panose="020B0304020202020204" pitchFamily="34" charset="-34"/>
-              </a:rPr>
-              <a:t>gishealth.moph.go.th</a:t>
-            </a:r>
-            <a:endParaRPr lang="en-GB" sz="4000" dirty="0">
-              <a:latin typeface="Cordia New" panose="020B0304020202020204" pitchFamily="34" charset="-34"/>
-              <a:cs typeface="Cordia New" panose="020B0304020202020204" pitchFamily="34" charset="-34"/>
-            </a:endParaRPr>
-          </a:p>
-        </p:txBody>
-      </p:sp>
-    </p:spTree>
-    <p:extLst>
-      <p:ext uri="{BB962C8B-B14F-4D97-AF65-F5344CB8AC3E}">
-        <p14:creationId xmlns:p14="http://schemas.microsoft.com/office/powerpoint/2010/main" val="2242050418"/>
       </p:ext>
     </p:extLst>
   </p:cSld>
